--- a/docs/Презентация.pptx
+++ b/docs/Презентация.pptx
@@ -112,6 +112,11 @@
       </a:defRPr>
     </a:lvl9pPr>
   </p:defaultTextStyle>
+  <p:extLst>
+    <p:ext uri="{EFAFB233-063F-42B5-8137-9DF3F51BA10A}">
+      <p15:sldGuideLst xmlns:p15="http://schemas.microsoft.com/office/powerpoint/2012/main"/>
+    </p:ext>
+  </p:extLst>
 </p:presentation>
 </file>
 
@@ -300,7 +305,7 @@
           <a:p>
             <a:fld id="{51CFBA6F-6D8F-4457-AC39-7243CB50CB77}" type="datetimeFigureOut">
               <a:rPr lang="ru-RU" smtClean="0"/>
-              <a:t>18.01.2021</a:t>
+              <a:t>19.01.2021</a:t>
             </a:fld>
             <a:endParaRPr lang="ru-RU"/>
           </a:p>
@@ -500,7 +505,7 @@
           <a:p>
             <a:fld id="{51CFBA6F-6D8F-4457-AC39-7243CB50CB77}" type="datetimeFigureOut">
               <a:rPr lang="ru-RU" smtClean="0"/>
-              <a:t>18.01.2021</a:t>
+              <a:t>19.01.2021</a:t>
             </a:fld>
             <a:endParaRPr lang="ru-RU"/>
           </a:p>
@@ -710,7 +715,7 @@
           <a:p>
             <a:fld id="{51CFBA6F-6D8F-4457-AC39-7243CB50CB77}" type="datetimeFigureOut">
               <a:rPr lang="ru-RU" smtClean="0"/>
-              <a:t>18.01.2021</a:t>
+              <a:t>19.01.2021</a:t>
             </a:fld>
             <a:endParaRPr lang="ru-RU"/>
           </a:p>
@@ -910,7 +915,7 @@
           <a:p>
             <a:fld id="{51CFBA6F-6D8F-4457-AC39-7243CB50CB77}" type="datetimeFigureOut">
               <a:rPr lang="ru-RU" smtClean="0"/>
-              <a:t>18.01.2021</a:t>
+              <a:t>19.01.2021</a:t>
             </a:fld>
             <a:endParaRPr lang="ru-RU"/>
           </a:p>
@@ -1186,7 +1191,7 @@
           <a:p>
             <a:fld id="{51CFBA6F-6D8F-4457-AC39-7243CB50CB77}" type="datetimeFigureOut">
               <a:rPr lang="ru-RU" smtClean="0"/>
-              <a:t>18.01.2021</a:t>
+              <a:t>19.01.2021</a:t>
             </a:fld>
             <a:endParaRPr lang="ru-RU"/>
           </a:p>
@@ -1454,7 +1459,7 @@
           <a:p>
             <a:fld id="{51CFBA6F-6D8F-4457-AC39-7243CB50CB77}" type="datetimeFigureOut">
               <a:rPr lang="ru-RU" smtClean="0"/>
-              <a:t>18.01.2021</a:t>
+              <a:t>19.01.2021</a:t>
             </a:fld>
             <a:endParaRPr lang="ru-RU"/>
           </a:p>
@@ -1869,7 +1874,7 @@
           <a:p>
             <a:fld id="{51CFBA6F-6D8F-4457-AC39-7243CB50CB77}" type="datetimeFigureOut">
               <a:rPr lang="ru-RU" smtClean="0"/>
-              <a:t>18.01.2021</a:t>
+              <a:t>19.01.2021</a:t>
             </a:fld>
             <a:endParaRPr lang="ru-RU"/>
           </a:p>
@@ -2011,7 +2016,7 @@
           <a:p>
             <a:fld id="{51CFBA6F-6D8F-4457-AC39-7243CB50CB77}" type="datetimeFigureOut">
               <a:rPr lang="ru-RU" smtClean="0"/>
-              <a:t>18.01.2021</a:t>
+              <a:t>19.01.2021</a:t>
             </a:fld>
             <a:endParaRPr lang="ru-RU"/>
           </a:p>
@@ -2124,7 +2129,7 @@
           <a:p>
             <a:fld id="{51CFBA6F-6D8F-4457-AC39-7243CB50CB77}" type="datetimeFigureOut">
               <a:rPr lang="ru-RU" smtClean="0"/>
-              <a:t>18.01.2021</a:t>
+              <a:t>19.01.2021</a:t>
             </a:fld>
             <a:endParaRPr lang="ru-RU"/>
           </a:p>
@@ -2437,7 +2442,7 @@
           <a:p>
             <a:fld id="{51CFBA6F-6D8F-4457-AC39-7243CB50CB77}" type="datetimeFigureOut">
               <a:rPr lang="ru-RU" smtClean="0"/>
-              <a:t>18.01.2021</a:t>
+              <a:t>19.01.2021</a:t>
             </a:fld>
             <a:endParaRPr lang="ru-RU"/>
           </a:p>
@@ -2730,7 +2735,7 @@
           <a:p>
             <a:fld id="{51CFBA6F-6D8F-4457-AC39-7243CB50CB77}" type="datetimeFigureOut">
               <a:rPr lang="ru-RU" smtClean="0"/>
-              <a:t>18.01.2021</a:t>
+              <a:t>19.01.2021</a:t>
             </a:fld>
             <a:endParaRPr lang="ru-RU"/>
           </a:p>
@@ -3009,7 +3014,7 @@
           <a:p>
             <a:fld id="{51CFBA6F-6D8F-4457-AC39-7243CB50CB77}" type="datetimeFigureOut">
               <a:rPr lang="ru-RU" smtClean="0"/>
-              <a:t>18.01.2021</a:t>
+              <a:t>19.01.2021</a:t>
             </a:fld>
             <a:endParaRPr lang="ru-RU"/>
           </a:p>
@@ -4135,7 +4140,7 @@
       </p:pic>
       <p:pic>
         <p:nvPicPr>
-          <p:cNvPr id="7" name="Рисунок 6"/>
+          <p:cNvPr id="6" name="Рисунок 5"/>
           <p:cNvPicPr>
             <a:picLocks noChangeAspect="1"/>
           </p:cNvPicPr>
@@ -4149,8 +4154,8 @@
         </p:blipFill>
         <p:spPr>
           <a:xfrm>
-            <a:off x="8598273" y="3265927"/>
-            <a:ext cx="2329638" cy="2207025"/>
+            <a:off x="8465867" y="3254857"/>
+            <a:ext cx="2329638" cy="2218094"/>
           </a:xfrm>
           <a:prstGeom prst="rect">
             <a:avLst/>
